--- a/Concurso/ANEXO 3 Plantilla 1.pptx
+++ b/Concurso/ANEXO 3 Plantilla 1.pptx
@@ -11965,10 +11965,10 @@
       </p:sp>
       <p:sp>
         <p:nvSpPr>
-          <p:cNvPr id="3" name="Marcador de contenido 2">
+          <p:cNvPr id="4" name="Marcador de contenido 3">
             <a:extLst>
               <a:ext uri="{FF2B5EF4-FFF2-40B4-BE49-F238E27FC236}">
-                <a16:creationId xmlns:a16="http://schemas.microsoft.com/office/drawing/2014/main" id="{A27CE5A0-F064-40FB-B13A-A67EDF3F5F3F}"/>
+                <a16:creationId xmlns:a16="http://schemas.microsoft.com/office/drawing/2014/main" id="{452E4C19-4FCC-491D-8993-0B1D1E453F46}"/>
               </a:ext>
             </a:extLst>
           </p:cNvPr>
